--- a/User Components/img/Example Graphics.pptx
+++ b/User Components/img/Example Graphics.pptx
@@ -104,6 +104,11 @@
       </a:defRPr>
     </a:lvl9pPr>
   </p:defaultTextStyle>
+  <p:extLst>
+    <p:ext uri="{EFAFB233-063F-42B5-8137-9DF3F51BA10A}">
+      <p15:sldGuideLst xmlns:p15="http://schemas.microsoft.com/office/powerpoint/2012/main"/>
+    </p:ext>
+  </p:extLst>
 </p:presentation>
 </file>
 
@@ -238,7 +243,7 @@
           <a:p>
             <a:fld id="{C8E08925-2F62-45D7-A6A4-8247331A0CF6}" type="datetimeFigureOut">
               <a:rPr lang="zh-CN" altLang="en-US" smtClean="0"/>
-              <a:t>2018/7/23</a:t>
+              <a:t>2018/8/30</a:t>
             </a:fld>
             <a:endParaRPr lang="zh-CN" altLang="en-US"/>
           </a:p>
@@ -408,7 +413,7 @@
           <a:p>
             <a:fld id="{C8E08925-2F62-45D7-A6A4-8247331A0CF6}" type="datetimeFigureOut">
               <a:rPr lang="zh-CN" altLang="en-US" smtClean="0"/>
-              <a:t>2018/7/23</a:t>
+              <a:t>2018/8/30</a:t>
             </a:fld>
             <a:endParaRPr lang="zh-CN" altLang="en-US"/>
           </a:p>
@@ -588,7 +593,7 @@
           <a:p>
             <a:fld id="{C8E08925-2F62-45D7-A6A4-8247331A0CF6}" type="datetimeFigureOut">
               <a:rPr lang="zh-CN" altLang="en-US" smtClean="0"/>
-              <a:t>2018/7/23</a:t>
+              <a:t>2018/8/30</a:t>
             </a:fld>
             <a:endParaRPr lang="zh-CN" altLang="en-US"/>
           </a:p>
@@ -758,7 +763,7 @@
           <a:p>
             <a:fld id="{C8E08925-2F62-45D7-A6A4-8247331A0CF6}" type="datetimeFigureOut">
               <a:rPr lang="zh-CN" altLang="en-US" smtClean="0"/>
-              <a:t>2018/7/23</a:t>
+              <a:t>2018/8/30</a:t>
             </a:fld>
             <a:endParaRPr lang="zh-CN" altLang="en-US"/>
           </a:p>
@@ -1004,7 +1009,7 @@
           <a:p>
             <a:fld id="{C8E08925-2F62-45D7-A6A4-8247331A0CF6}" type="datetimeFigureOut">
               <a:rPr lang="zh-CN" altLang="en-US" smtClean="0"/>
-              <a:t>2018/7/23</a:t>
+              <a:t>2018/8/30</a:t>
             </a:fld>
             <a:endParaRPr lang="zh-CN" altLang="en-US"/>
           </a:p>
@@ -1236,7 +1241,7 @@
           <a:p>
             <a:fld id="{C8E08925-2F62-45D7-A6A4-8247331A0CF6}" type="datetimeFigureOut">
               <a:rPr lang="zh-CN" altLang="en-US" smtClean="0"/>
-              <a:t>2018/7/23</a:t>
+              <a:t>2018/8/30</a:t>
             </a:fld>
             <a:endParaRPr lang="zh-CN" altLang="en-US"/>
           </a:p>
@@ -1603,7 +1608,7 @@
           <a:p>
             <a:fld id="{C8E08925-2F62-45D7-A6A4-8247331A0CF6}" type="datetimeFigureOut">
               <a:rPr lang="zh-CN" altLang="en-US" smtClean="0"/>
-              <a:t>2018/7/23</a:t>
+              <a:t>2018/8/30</a:t>
             </a:fld>
             <a:endParaRPr lang="zh-CN" altLang="en-US"/>
           </a:p>
@@ -1721,7 +1726,7 @@
           <a:p>
             <a:fld id="{C8E08925-2F62-45D7-A6A4-8247331A0CF6}" type="datetimeFigureOut">
               <a:rPr lang="zh-CN" altLang="en-US" smtClean="0"/>
-              <a:t>2018/7/23</a:t>
+              <a:t>2018/8/30</a:t>
             </a:fld>
             <a:endParaRPr lang="zh-CN" altLang="en-US"/>
           </a:p>
@@ -1816,7 +1821,7 @@
           <a:p>
             <a:fld id="{C8E08925-2F62-45D7-A6A4-8247331A0CF6}" type="datetimeFigureOut">
               <a:rPr lang="zh-CN" altLang="en-US" smtClean="0"/>
-              <a:t>2018/7/23</a:t>
+              <a:t>2018/8/30</a:t>
             </a:fld>
             <a:endParaRPr lang="zh-CN" altLang="en-US"/>
           </a:p>
@@ -2093,7 +2098,7 @@
           <a:p>
             <a:fld id="{C8E08925-2F62-45D7-A6A4-8247331A0CF6}" type="datetimeFigureOut">
               <a:rPr lang="zh-CN" altLang="en-US" smtClean="0"/>
-              <a:t>2018/7/23</a:t>
+              <a:t>2018/8/30</a:t>
             </a:fld>
             <a:endParaRPr lang="zh-CN" altLang="en-US"/>
           </a:p>
@@ -2346,7 +2351,7 @@
           <a:p>
             <a:fld id="{C8E08925-2F62-45D7-A6A4-8247331A0CF6}" type="datetimeFigureOut">
               <a:rPr lang="zh-CN" altLang="en-US" smtClean="0"/>
-              <a:t>2018/7/23</a:t>
+              <a:t>2018/8/30</a:t>
             </a:fld>
             <a:endParaRPr lang="zh-CN" altLang="en-US"/>
           </a:p>
@@ -2559,7 +2564,7 @@
           <a:p>
             <a:fld id="{C8E08925-2F62-45D7-A6A4-8247331A0CF6}" type="datetimeFigureOut">
               <a:rPr lang="zh-CN" altLang="en-US" smtClean="0"/>
-              <a:t>2018/7/23</a:t>
+              <a:t>2018/8/30</a:t>
             </a:fld>
             <a:endParaRPr lang="zh-CN" altLang="en-US"/>
           </a:p>
@@ -3390,6 +3395,609 @@
           </a:fontRef>
         </p:style>
       </p:cxnSp>
+      <p:sp>
+        <p:nvSpPr>
+          <p:cNvPr id="9" name="Rounded Rectangle 8"/>
+          <p:cNvSpPr/>
+          <p:nvPr/>
+        </p:nvSpPr>
+        <p:spPr>
+          <a:xfrm>
+            <a:off x="1790700" y="3000103"/>
+            <a:ext cx="1137920" cy="259080"/>
+          </a:xfrm>
+          <a:prstGeom prst="roundRect">
+            <a:avLst/>
+          </a:prstGeom>
+          <a:gradFill flip="none" rotWithShape="1">
+            <a:gsLst>
+              <a:gs pos="0">
+                <a:schemeClr val="tx1">
+                  <a:lumMod val="65000"/>
+                  <a:lumOff val="35000"/>
+                </a:schemeClr>
+              </a:gs>
+              <a:gs pos="50000">
+                <a:schemeClr val="bg1">
+                  <a:lumMod val="50000"/>
+                </a:schemeClr>
+              </a:gs>
+              <a:gs pos="100000">
+                <a:schemeClr val="bg1">
+                  <a:lumMod val="75000"/>
+                </a:schemeClr>
+              </a:gs>
+            </a:gsLst>
+            <a:lin ang="5400000" scaled="1"/>
+            <a:tileRect/>
+          </a:gradFill>
+          <a:ln>
+            <a:solidFill>
+              <a:schemeClr val="tx1">
+                <a:lumMod val="85000"/>
+                <a:lumOff val="15000"/>
+              </a:schemeClr>
+            </a:solidFill>
+          </a:ln>
+        </p:spPr>
+        <p:style>
+          <a:lnRef idx="2">
+            <a:schemeClr val="accent1">
+              <a:shade val="50000"/>
+            </a:schemeClr>
+          </a:lnRef>
+          <a:fillRef idx="1">
+            <a:schemeClr val="accent1"/>
+          </a:fillRef>
+          <a:effectRef idx="0">
+            <a:schemeClr val="accent1"/>
+          </a:effectRef>
+          <a:fontRef idx="minor">
+            <a:schemeClr val="lt1"/>
+          </a:fontRef>
+        </p:style>
+        <p:txBody>
+          <a:bodyPr rtlCol="0" anchor="ctr"/>
+          <a:lstStyle/>
+          <a:p>
+            <a:pPr algn="ctr"/>
+            <a:endParaRPr lang="zh-CN" altLang="en-US"/>
+          </a:p>
+        </p:txBody>
+      </p:sp>
+      <p:sp>
+        <p:nvSpPr>
+          <p:cNvPr id="11" name="Rounded Rectangle 10"/>
+          <p:cNvSpPr/>
+          <p:nvPr/>
+        </p:nvSpPr>
+        <p:spPr>
+          <a:xfrm>
+            <a:off x="1790700" y="3387634"/>
+            <a:ext cx="1137920" cy="513806"/>
+          </a:xfrm>
+          <a:prstGeom prst="roundRect">
+            <a:avLst/>
+          </a:prstGeom>
+          <a:gradFill flip="none" rotWithShape="1">
+            <a:gsLst>
+              <a:gs pos="0">
+                <a:schemeClr val="tx1">
+                  <a:lumMod val="65000"/>
+                  <a:lumOff val="35000"/>
+                </a:schemeClr>
+              </a:gs>
+              <a:gs pos="50000">
+                <a:schemeClr val="bg1">
+                  <a:lumMod val="50000"/>
+                </a:schemeClr>
+              </a:gs>
+              <a:gs pos="100000">
+                <a:schemeClr val="bg1">
+                  <a:lumMod val="75000"/>
+                </a:schemeClr>
+              </a:gs>
+            </a:gsLst>
+            <a:lin ang="5400000" scaled="1"/>
+            <a:tileRect/>
+          </a:gradFill>
+          <a:ln>
+            <a:solidFill>
+              <a:schemeClr val="tx1">
+                <a:lumMod val="85000"/>
+                <a:lumOff val="15000"/>
+              </a:schemeClr>
+            </a:solidFill>
+          </a:ln>
+        </p:spPr>
+        <p:style>
+          <a:lnRef idx="2">
+            <a:schemeClr val="accent1">
+              <a:shade val="50000"/>
+            </a:schemeClr>
+          </a:lnRef>
+          <a:fillRef idx="1">
+            <a:schemeClr val="accent1"/>
+          </a:fillRef>
+          <a:effectRef idx="0">
+            <a:schemeClr val="accent1"/>
+          </a:effectRef>
+          <a:fontRef idx="minor">
+            <a:schemeClr val="lt1"/>
+          </a:fontRef>
+        </p:style>
+        <p:txBody>
+          <a:bodyPr rtlCol="0" anchor="ctr"/>
+          <a:lstStyle/>
+          <a:p>
+            <a:pPr algn="ctr"/>
+            <a:endParaRPr lang="zh-CN" altLang="en-US"/>
+          </a:p>
+        </p:txBody>
+      </p:sp>
+      <p:sp>
+        <p:nvSpPr>
+          <p:cNvPr id="15" name="Rounded Rectangle 14"/>
+          <p:cNvSpPr/>
+          <p:nvPr/>
+        </p:nvSpPr>
+        <p:spPr>
+          <a:xfrm>
+            <a:off x="1790700" y="4029891"/>
+            <a:ext cx="1137920" cy="259080"/>
+          </a:xfrm>
+          <a:prstGeom prst="roundRect">
+            <a:avLst/>
+          </a:prstGeom>
+          <a:gradFill flip="none" rotWithShape="1">
+            <a:gsLst>
+              <a:gs pos="0">
+                <a:schemeClr val="tx1">
+                  <a:lumMod val="65000"/>
+                  <a:lumOff val="35000"/>
+                </a:schemeClr>
+              </a:gs>
+              <a:gs pos="50000">
+                <a:schemeClr val="bg1">
+                  <a:lumMod val="50000"/>
+                </a:schemeClr>
+              </a:gs>
+              <a:gs pos="100000">
+                <a:schemeClr val="bg1">
+                  <a:lumMod val="75000"/>
+                </a:schemeClr>
+              </a:gs>
+            </a:gsLst>
+            <a:lin ang="5400000" scaled="1"/>
+            <a:tileRect/>
+          </a:gradFill>
+          <a:ln>
+            <a:solidFill>
+              <a:schemeClr val="tx1">
+                <a:lumMod val="85000"/>
+                <a:lumOff val="15000"/>
+              </a:schemeClr>
+            </a:solidFill>
+          </a:ln>
+        </p:spPr>
+        <p:style>
+          <a:lnRef idx="2">
+            <a:schemeClr val="accent1">
+              <a:shade val="50000"/>
+            </a:schemeClr>
+          </a:lnRef>
+          <a:fillRef idx="1">
+            <a:schemeClr val="accent1"/>
+          </a:fillRef>
+          <a:effectRef idx="0">
+            <a:schemeClr val="accent1"/>
+          </a:effectRef>
+          <a:fontRef idx="minor">
+            <a:schemeClr val="lt1"/>
+          </a:fontRef>
+        </p:style>
+        <p:txBody>
+          <a:bodyPr rtlCol="0" anchor="ctr"/>
+          <a:lstStyle/>
+          <a:p>
+            <a:pPr algn="ctr"/>
+            <a:endParaRPr lang="zh-CN" altLang="en-US"/>
+          </a:p>
+        </p:txBody>
+      </p:sp>
+      <p:sp>
+        <p:nvSpPr>
+          <p:cNvPr id="16" name="Rounded Rectangle 15"/>
+          <p:cNvSpPr/>
+          <p:nvPr/>
+        </p:nvSpPr>
+        <p:spPr>
+          <a:xfrm>
+            <a:off x="4642758" y="3000103"/>
+            <a:ext cx="1137920" cy="259080"/>
+          </a:xfrm>
+          <a:prstGeom prst="roundRect">
+            <a:avLst/>
+          </a:prstGeom>
+          <a:gradFill flip="none" rotWithShape="1">
+            <a:gsLst>
+              <a:gs pos="0">
+                <a:schemeClr val="tx1">
+                  <a:lumMod val="65000"/>
+                  <a:lumOff val="35000"/>
+                </a:schemeClr>
+              </a:gs>
+              <a:gs pos="50000">
+                <a:schemeClr val="bg1">
+                  <a:lumMod val="50000"/>
+                </a:schemeClr>
+              </a:gs>
+              <a:gs pos="100000">
+                <a:schemeClr val="bg1">
+                  <a:lumMod val="75000"/>
+                </a:schemeClr>
+              </a:gs>
+            </a:gsLst>
+            <a:lin ang="5400000" scaled="1"/>
+            <a:tileRect/>
+          </a:gradFill>
+          <a:ln>
+            <a:solidFill>
+              <a:schemeClr val="tx1">
+                <a:lumMod val="85000"/>
+                <a:lumOff val="15000"/>
+              </a:schemeClr>
+            </a:solidFill>
+          </a:ln>
+        </p:spPr>
+        <p:style>
+          <a:lnRef idx="2">
+            <a:schemeClr val="accent1">
+              <a:shade val="50000"/>
+            </a:schemeClr>
+          </a:lnRef>
+          <a:fillRef idx="1">
+            <a:schemeClr val="accent1"/>
+          </a:fillRef>
+          <a:effectRef idx="0">
+            <a:schemeClr val="accent1"/>
+          </a:effectRef>
+          <a:fontRef idx="minor">
+            <a:schemeClr val="lt1"/>
+          </a:fontRef>
+        </p:style>
+        <p:txBody>
+          <a:bodyPr rtlCol="0" anchor="ctr"/>
+          <a:lstStyle/>
+          <a:p>
+            <a:pPr algn="ctr"/>
+            <a:endParaRPr lang="zh-CN" altLang="en-US"/>
+          </a:p>
+        </p:txBody>
+      </p:sp>
+      <p:sp>
+        <p:nvSpPr>
+          <p:cNvPr id="17" name="Rounded Rectangle 16"/>
+          <p:cNvSpPr/>
+          <p:nvPr/>
+        </p:nvSpPr>
+        <p:spPr>
+          <a:xfrm>
+            <a:off x="4642758" y="3387634"/>
+            <a:ext cx="1137920" cy="513806"/>
+          </a:xfrm>
+          <a:prstGeom prst="roundRect">
+            <a:avLst/>
+          </a:prstGeom>
+          <a:gradFill flip="none" rotWithShape="1">
+            <a:gsLst>
+              <a:gs pos="0">
+                <a:schemeClr val="tx1">
+                  <a:lumMod val="65000"/>
+                  <a:lumOff val="35000"/>
+                </a:schemeClr>
+              </a:gs>
+              <a:gs pos="50000">
+                <a:schemeClr val="bg1">
+                  <a:lumMod val="50000"/>
+                </a:schemeClr>
+              </a:gs>
+              <a:gs pos="100000">
+                <a:schemeClr val="bg1">
+                  <a:lumMod val="75000"/>
+                </a:schemeClr>
+              </a:gs>
+            </a:gsLst>
+            <a:lin ang="5400000" scaled="1"/>
+            <a:tileRect/>
+          </a:gradFill>
+          <a:ln>
+            <a:solidFill>
+              <a:schemeClr val="tx1">
+                <a:lumMod val="85000"/>
+                <a:lumOff val="15000"/>
+              </a:schemeClr>
+            </a:solidFill>
+          </a:ln>
+        </p:spPr>
+        <p:style>
+          <a:lnRef idx="2">
+            <a:schemeClr val="accent1">
+              <a:shade val="50000"/>
+            </a:schemeClr>
+          </a:lnRef>
+          <a:fillRef idx="1">
+            <a:schemeClr val="accent1"/>
+          </a:fillRef>
+          <a:effectRef idx="0">
+            <a:schemeClr val="accent1"/>
+          </a:effectRef>
+          <a:fontRef idx="minor">
+            <a:schemeClr val="lt1"/>
+          </a:fontRef>
+        </p:style>
+        <p:txBody>
+          <a:bodyPr rtlCol="0" anchor="ctr"/>
+          <a:lstStyle/>
+          <a:p>
+            <a:pPr algn="ctr"/>
+            <a:endParaRPr lang="zh-CN" altLang="en-US"/>
+          </a:p>
+        </p:txBody>
+      </p:sp>
+      <p:sp>
+        <p:nvSpPr>
+          <p:cNvPr id="18" name="Rounded Rectangle 17"/>
+          <p:cNvSpPr/>
+          <p:nvPr/>
+        </p:nvSpPr>
+        <p:spPr>
+          <a:xfrm>
+            <a:off x="4642758" y="4029891"/>
+            <a:ext cx="1137920" cy="259080"/>
+          </a:xfrm>
+          <a:prstGeom prst="roundRect">
+            <a:avLst/>
+          </a:prstGeom>
+          <a:gradFill flip="none" rotWithShape="1">
+            <a:gsLst>
+              <a:gs pos="0">
+                <a:schemeClr val="tx1">
+                  <a:lumMod val="65000"/>
+                  <a:lumOff val="35000"/>
+                </a:schemeClr>
+              </a:gs>
+              <a:gs pos="50000">
+                <a:schemeClr val="bg1">
+                  <a:lumMod val="50000"/>
+                </a:schemeClr>
+              </a:gs>
+              <a:gs pos="100000">
+                <a:schemeClr val="bg1">
+                  <a:lumMod val="75000"/>
+                </a:schemeClr>
+              </a:gs>
+            </a:gsLst>
+            <a:lin ang="5400000" scaled="1"/>
+            <a:tileRect/>
+          </a:gradFill>
+          <a:ln>
+            <a:solidFill>
+              <a:schemeClr val="tx1">
+                <a:lumMod val="85000"/>
+                <a:lumOff val="15000"/>
+              </a:schemeClr>
+            </a:solidFill>
+          </a:ln>
+        </p:spPr>
+        <p:style>
+          <a:lnRef idx="2">
+            <a:schemeClr val="accent1">
+              <a:shade val="50000"/>
+            </a:schemeClr>
+          </a:lnRef>
+          <a:fillRef idx="1">
+            <a:schemeClr val="accent1"/>
+          </a:fillRef>
+          <a:effectRef idx="0">
+            <a:schemeClr val="accent1"/>
+          </a:effectRef>
+          <a:fontRef idx="minor">
+            <a:schemeClr val="lt1"/>
+          </a:fontRef>
+        </p:style>
+        <p:txBody>
+          <a:bodyPr rtlCol="0" anchor="ctr"/>
+          <a:lstStyle/>
+          <a:p>
+            <a:pPr algn="ctr"/>
+            <a:endParaRPr lang="zh-CN" altLang="en-US"/>
+          </a:p>
+        </p:txBody>
+      </p:sp>
+      <p:sp>
+        <p:nvSpPr>
+          <p:cNvPr id="19" name="Rounded Rectangle 18"/>
+          <p:cNvSpPr/>
+          <p:nvPr/>
+        </p:nvSpPr>
+        <p:spPr>
+          <a:xfrm>
+            <a:off x="3216729" y="3000103"/>
+            <a:ext cx="1137920" cy="259080"/>
+          </a:xfrm>
+          <a:prstGeom prst="roundRect">
+            <a:avLst/>
+          </a:prstGeom>
+          <a:gradFill flip="none" rotWithShape="1">
+            <a:gsLst>
+              <a:gs pos="0">
+                <a:srgbClr val="8B5B5B"/>
+              </a:gs>
+              <a:gs pos="50000">
+                <a:srgbClr val="D22C2C"/>
+              </a:gs>
+              <a:gs pos="100000">
+                <a:srgbClr val="F7BFBF"/>
+              </a:gs>
+            </a:gsLst>
+            <a:lin ang="5400000" scaled="1"/>
+            <a:tileRect/>
+          </a:gradFill>
+          <a:ln>
+            <a:solidFill>
+              <a:schemeClr val="tx1"/>
+            </a:solidFill>
+          </a:ln>
+        </p:spPr>
+        <p:style>
+          <a:lnRef idx="2">
+            <a:schemeClr val="accent1">
+              <a:shade val="50000"/>
+            </a:schemeClr>
+          </a:lnRef>
+          <a:fillRef idx="1">
+            <a:schemeClr val="accent1"/>
+          </a:fillRef>
+          <a:effectRef idx="0">
+            <a:schemeClr val="accent1"/>
+          </a:effectRef>
+          <a:fontRef idx="minor">
+            <a:schemeClr val="lt1"/>
+          </a:fontRef>
+        </p:style>
+        <p:txBody>
+          <a:bodyPr rtlCol="0" anchor="ctr"/>
+          <a:lstStyle/>
+          <a:p>
+            <a:pPr algn="ctr"/>
+            <a:endParaRPr lang="zh-CN" altLang="en-US"/>
+          </a:p>
+        </p:txBody>
+      </p:sp>
+      <p:sp>
+        <p:nvSpPr>
+          <p:cNvPr id="20" name="Rounded Rectangle 19"/>
+          <p:cNvSpPr/>
+          <p:nvPr/>
+        </p:nvSpPr>
+        <p:spPr>
+          <a:xfrm>
+            <a:off x="3216729" y="4029891"/>
+            <a:ext cx="1137920" cy="259080"/>
+          </a:xfrm>
+          <a:prstGeom prst="roundRect">
+            <a:avLst/>
+          </a:prstGeom>
+          <a:gradFill flip="none" rotWithShape="1">
+            <a:gsLst>
+              <a:gs pos="0">
+                <a:srgbClr val="8B5B5B"/>
+              </a:gs>
+              <a:gs pos="50000">
+                <a:srgbClr val="D22C2C"/>
+              </a:gs>
+              <a:gs pos="100000">
+                <a:srgbClr val="F7BFBF"/>
+              </a:gs>
+            </a:gsLst>
+            <a:lin ang="5400000" scaled="1"/>
+            <a:tileRect/>
+          </a:gradFill>
+          <a:ln>
+            <a:solidFill>
+              <a:schemeClr val="tx1"/>
+            </a:solidFill>
+          </a:ln>
+        </p:spPr>
+        <p:style>
+          <a:lnRef idx="2">
+            <a:schemeClr val="accent1">
+              <a:shade val="50000"/>
+            </a:schemeClr>
+          </a:lnRef>
+          <a:fillRef idx="1">
+            <a:schemeClr val="accent1"/>
+          </a:fillRef>
+          <a:effectRef idx="0">
+            <a:schemeClr val="accent1"/>
+          </a:effectRef>
+          <a:fontRef idx="minor">
+            <a:schemeClr val="lt1"/>
+          </a:fontRef>
+        </p:style>
+        <p:txBody>
+          <a:bodyPr rtlCol="0" anchor="ctr"/>
+          <a:lstStyle/>
+          <a:p>
+            <a:pPr algn="ctr"/>
+            <a:endParaRPr lang="zh-CN" altLang="en-US"/>
+          </a:p>
+        </p:txBody>
+      </p:sp>
+      <p:sp>
+        <p:nvSpPr>
+          <p:cNvPr id="21" name="Rounded Rectangle 20"/>
+          <p:cNvSpPr/>
+          <p:nvPr/>
+        </p:nvSpPr>
+        <p:spPr>
+          <a:xfrm>
+            <a:off x="3216729" y="3387634"/>
+            <a:ext cx="1137920" cy="513806"/>
+          </a:xfrm>
+          <a:prstGeom prst="roundRect">
+            <a:avLst/>
+          </a:prstGeom>
+          <a:gradFill flip="none" rotWithShape="1">
+            <a:gsLst>
+              <a:gs pos="0">
+                <a:srgbClr val="4F3FC5"/>
+              </a:gs>
+              <a:gs pos="50000">
+                <a:srgbClr val="5011ED"/>
+              </a:gs>
+              <a:gs pos="100000">
+                <a:srgbClr val="B9B0FE"/>
+              </a:gs>
+            </a:gsLst>
+            <a:lin ang="5400000" scaled="1"/>
+            <a:tileRect/>
+          </a:gradFill>
+          <a:ln>
+            <a:solidFill>
+              <a:schemeClr val="tx1">
+                <a:lumMod val="85000"/>
+                <a:lumOff val="15000"/>
+              </a:schemeClr>
+            </a:solidFill>
+          </a:ln>
+        </p:spPr>
+        <p:style>
+          <a:lnRef idx="2">
+            <a:schemeClr val="accent1">
+              <a:shade val="50000"/>
+            </a:schemeClr>
+          </a:lnRef>
+          <a:fillRef idx="1">
+            <a:schemeClr val="accent1"/>
+          </a:fillRef>
+          <a:effectRef idx="0">
+            <a:schemeClr val="accent1"/>
+          </a:effectRef>
+          <a:fontRef idx="minor">
+            <a:schemeClr val="lt1"/>
+          </a:fontRef>
+        </p:style>
+        <p:txBody>
+          <a:bodyPr rtlCol="0" anchor="ctr"/>
+          <a:lstStyle/>
+          <a:p>
+            <a:pPr algn="ctr"/>
+            <a:endParaRPr lang="zh-CN" altLang="en-US"/>
+          </a:p>
+        </p:txBody>
+      </p:sp>
     </p:spTree>
     <p:extLst>
       <p:ext uri="{BB962C8B-B14F-4D97-AF65-F5344CB8AC3E}">
